--- a/PPT/Disease Recognition Heart, Parkinson & Diabetes.pptx
+++ b/PPT/Disease Recognition Heart, Parkinson & Diabetes.pptx
@@ -362,7 +362,7 @@
           <a:p>
             <a:fld id="{1D8BD707-D9CF-40AE-B4C6-C98DA3205C09}" type="datetimeFigureOut">
               <a:rPr lang="en-US" smtClean="0"/>
-              <a:t>11/17/2024</a:t>
+              <a:t>11/21/2024</a:t>
             </a:fld>
             <a:endParaRPr lang="en-US"/>
           </a:p>
@@ -696,7 +696,7 @@
           <a:p>
             <a:fld id="{1D8BD707-D9CF-40AE-B4C6-C98DA3205C09}" type="datetimeFigureOut">
               <a:rPr lang="en-US" smtClean="0"/>
-              <a:t>11/17/2024</a:t>
+              <a:t>11/21/2024</a:t>
             </a:fld>
             <a:endParaRPr lang="en-US"/>
           </a:p>
@@ -974,7 +974,7 @@
           <a:p>
             <a:fld id="{1D8BD707-D9CF-40AE-B4C6-C98DA3205C09}" type="datetimeFigureOut">
               <a:rPr lang="en-US" smtClean="0"/>
-              <a:t>11/17/2024</a:t>
+              <a:t>11/21/2024</a:t>
             </a:fld>
             <a:endParaRPr lang="en-US"/>
           </a:p>
@@ -1542,7 +1542,7 @@
           <a:p>
             <a:fld id="{1D8BD707-D9CF-40AE-B4C6-C98DA3205C09}" type="datetimeFigureOut">
               <a:rPr lang="en-US" smtClean="0"/>
-              <a:t>11/17/2024</a:t>
+              <a:t>11/21/2024</a:t>
             </a:fld>
             <a:endParaRPr lang="en-US"/>
           </a:p>
@@ -1820,7 +1820,7 @@
           <a:p>
             <a:fld id="{1D8BD707-D9CF-40AE-B4C6-C98DA3205C09}" type="datetimeFigureOut">
               <a:rPr lang="en-US" smtClean="0"/>
-              <a:t>11/17/2024</a:t>
+              <a:t>11/21/2024</a:t>
             </a:fld>
             <a:endParaRPr lang="en-US"/>
           </a:p>
@@ -2382,7 +2382,7 @@
           <a:p>
             <a:fld id="{1D8BD707-D9CF-40AE-B4C6-C98DA3205C09}" type="datetimeFigureOut">
               <a:rPr lang="en-US" smtClean="0"/>
-              <a:t>11/17/2024</a:t>
+              <a:t>11/21/2024</a:t>
             </a:fld>
             <a:endParaRPr lang="en-US"/>
           </a:p>
@@ -2709,7 +2709,7 @@
           <a:p>
             <a:fld id="{1D8BD707-D9CF-40AE-B4C6-C98DA3205C09}" type="datetimeFigureOut">
               <a:rPr lang="en-US" smtClean="0"/>
-              <a:t>11/17/2024</a:t>
+              <a:t>11/21/2024</a:t>
             </a:fld>
             <a:endParaRPr lang="en-US"/>
           </a:p>
@@ -2886,7 +2886,7 @@
           <a:p>
             <a:fld id="{1D8BD707-D9CF-40AE-B4C6-C98DA3205C09}" type="datetimeFigureOut">
               <a:rPr lang="en-US" smtClean="0"/>
-              <a:t>11/17/2024</a:t>
+              <a:t>11/21/2024</a:t>
             </a:fld>
             <a:endParaRPr lang="en-US"/>
           </a:p>
@@ -3124,7 +3124,7 @@
           <a:p>
             <a:fld id="{1D8BD707-D9CF-40AE-B4C6-C98DA3205C09}" type="datetimeFigureOut">
               <a:rPr lang="en-US" smtClean="0"/>
-              <a:t>11/17/2024</a:t>
+              <a:t>11/21/2024</a:t>
             </a:fld>
             <a:endParaRPr lang="en-US"/>
           </a:p>
@@ -3324,7 +3324,7 @@
           <a:p>
             <a:fld id="{1D8BD707-D9CF-40AE-B4C6-C98DA3205C09}" type="datetimeFigureOut">
               <a:rPr lang="en-US" smtClean="0"/>
-              <a:t>11/17/2024</a:t>
+              <a:t>11/21/2024</a:t>
             </a:fld>
             <a:endParaRPr lang="en-US"/>
           </a:p>
@@ -3600,7 +3600,7 @@
           <a:p>
             <a:fld id="{1D8BD707-D9CF-40AE-B4C6-C98DA3205C09}" type="datetimeFigureOut">
               <a:rPr lang="en-US" smtClean="0"/>
-              <a:t>11/17/2024</a:t>
+              <a:t>11/21/2024</a:t>
             </a:fld>
             <a:endParaRPr lang="en-US"/>
           </a:p>
@@ -3866,7 +3866,7 @@
           <a:p>
             <a:fld id="{1D8BD707-D9CF-40AE-B4C6-C98DA3205C09}" type="datetimeFigureOut">
               <a:rPr lang="en-US" smtClean="0"/>
-              <a:t>11/17/2024</a:t>
+              <a:t>11/21/2024</a:t>
             </a:fld>
             <a:endParaRPr lang="en-US"/>
           </a:p>
@@ -4240,7 +4240,7 @@
           <a:p>
             <a:fld id="{1D8BD707-D9CF-40AE-B4C6-C98DA3205C09}" type="datetimeFigureOut">
               <a:rPr lang="en-US" smtClean="0"/>
-              <a:t>11/17/2024</a:t>
+              <a:t>11/21/2024</a:t>
             </a:fld>
             <a:endParaRPr lang="en-US"/>
           </a:p>
@@ -4388,7 +4388,7 @@
           <a:p>
             <a:fld id="{1D8BD707-D9CF-40AE-B4C6-C98DA3205C09}" type="datetimeFigureOut">
               <a:rPr lang="en-US" smtClean="0"/>
-              <a:t>11/17/2024</a:t>
+              <a:t>11/21/2024</a:t>
             </a:fld>
             <a:endParaRPr lang="en-US"/>
           </a:p>
@@ -4513,7 +4513,7 @@
           <a:p>
             <a:fld id="{1D8BD707-D9CF-40AE-B4C6-C98DA3205C09}" type="datetimeFigureOut">
               <a:rPr lang="en-US" smtClean="0"/>
-              <a:t>11/17/2024</a:t>
+              <a:t>11/21/2024</a:t>
             </a:fld>
             <a:endParaRPr lang="en-US"/>
           </a:p>
@@ -4798,7 +4798,7 @@
           <a:p>
             <a:fld id="{1D8BD707-D9CF-40AE-B4C6-C98DA3205C09}" type="datetimeFigureOut">
               <a:rPr lang="en-US" smtClean="0"/>
-              <a:t>11/17/2024</a:t>
+              <a:t>11/21/2024</a:t>
             </a:fld>
             <a:endParaRPr lang="en-US"/>
           </a:p>
@@ -5122,7 +5122,7 @@
           <a:p>
             <a:fld id="{1D8BD707-D9CF-40AE-B4C6-C98DA3205C09}" type="datetimeFigureOut">
               <a:rPr lang="en-US" smtClean="0"/>
-              <a:t>11/17/2024</a:t>
+              <a:t>11/21/2024</a:t>
             </a:fld>
             <a:endParaRPr lang="en-US"/>
           </a:p>
@@ -5336,7 +5336,7 @@
           <a:p>
             <a:fld id="{1D8BD707-D9CF-40AE-B4C6-C98DA3205C09}" type="datetimeFigureOut">
               <a:rPr lang="en-US" smtClean="0"/>
-              <a:t>11/17/2024</a:t>
+              <a:t>11/21/2024</a:t>
             </a:fld>
             <a:endParaRPr lang="en-US"/>
           </a:p>
@@ -5976,8 +5976,8 @@
         </p:nvGrpSpPr>
         <p:grpSpPr>
           <a:xfrm>
-            <a:off x="5025237" y="1772633"/>
-            <a:ext cx="8237855" cy="6487795"/>
+            <a:off x="5104930" y="2494070"/>
+            <a:ext cx="8237855" cy="5369454"/>
             <a:chOff x="5025237" y="1772633"/>
             <a:chExt cx="8237855" cy="6487795"/>
           </a:xfrm>
@@ -6028,7 +6028,7 @@
             <a:bodyPr wrap="square" lIns="0" tIns="0" rIns="0" bIns="0" rtlCol="0"/>
             <a:lstStyle/>
             <a:p>
-              <a:endParaRPr/>
+              <a:endParaRPr dirty="0"/>
             </a:p>
           </p:txBody>
         </p:sp>
@@ -6144,8 +6144,8 @@
         </p:nvSpPr>
         <p:spPr>
           <a:xfrm>
-            <a:off x="5480355" y="8277176"/>
-            <a:ext cx="7782725" cy="369332"/>
+            <a:off x="5568950" y="7919155"/>
+            <a:ext cx="7782725" cy="1200329"/>
           </a:xfrm>
           <a:prstGeom prst="rect">
             <a:avLst/>
@@ -6162,6 +6162,27 @@
             <a:r>
               <a:rPr lang="en-IN" dirty="0"/>
               <a:t>BY SAHARSH BHATNAGAR (E23CSEU1737)</a:t>
+            </a:r>
+          </a:p>
+          <a:p>
+            <a:pPr algn="r"/>
+            <a:r>
+              <a:rPr lang="en-IN" dirty="0"/>
+              <a:t>			VIJAY MAVAI (E23CSEU1771)</a:t>
+            </a:r>
+          </a:p>
+          <a:p>
+            <a:pPr algn="r"/>
+            <a:r>
+              <a:rPr lang="en-IN" dirty="0"/>
+              <a:t>PIYUSH CHAUHAN (E23CSEU1732)</a:t>
+            </a:r>
+          </a:p>
+          <a:p>
+            <a:pPr algn="r"/>
+            <a:r>
+              <a:rPr lang="en-IN" dirty="0"/>
+              <a:t>ARSH KHAN (E23CSEU1773)</a:t>
             </a:r>
           </a:p>
         </p:txBody>
@@ -7584,7 +7605,7 @@
         <p:spPr>
           <a:xfrm>
             <a:off x="6535216" y="3798519"/>
-            <a:ext cx="5159375" cy="1016112"/>
+            <a:ext cx="5159375" cy="6235490"/>
           </a:xfrm>
           <a:prstGeom prst="rect">
             <a:avLst/>
@@ -7634,6 +7655,125 @@
               </a:rPr>
               <a:t>E23CSEU1737</a:t>
             </a:r>
+          </a:p>
+          <a:p>
+            <a:pPr marL="12700" marR="5080" algn="ctr">
+              <a:lnSpc>
+                <a:spcPts val="3750"/>
+              </a:lnSpc>
+              <a:spcBef>
+                <a:spcPts val="250"/>
+              </a:spcBef>
+            </a:pPr>
+            <a:endParaRPr lang="en-IN" sz="3150" spc="235" dirty="0">
+              <a:solidFill>
+                <a:srgbClr val="FFFFFF"/>
+              </a:solidFill>
+              <a:latin typeface="Trebuchet MS"/>
+              <a:cs typeface="Trebuchet MS"/>
+            </a:endParaRPr>
+          </a:p>
+          <a:p>
+            <a:pPr marL="12700" marR="5080" algn="ctr">
+              <a:lnSpc>
+                <a:spcPts val="3750"/>
+              </a:lnSpc>
+              <a:spcBef>
+                <a:spcPts val="250"/>
+              </a:spcBef>
+            </a:pPr>
+            <a:r>
+              <a:rPr lang="en-IN" sz="3200" dirty="0"/>
+              <a:t>VIJAY MAVAI </a:t>
+            </a:r>
+          </a:p>
+          <a:p>
+            <a:pPr marL="12700" marR="5080" algn="ctr">
+              <a:lnSpc>
+                <a:spcPts val="3750"/>
+              </a:lnSpc>
+              <a:spcBef>
+                <a:spcPts val="250"/>
+              </a:spcBef>
+            </a:pPr>
+            <a:r>
+              <a:rPr lang="en-IN" sz="3200" dirty="0"/>
+              <a:t>E23CSEU1771</a:t>
+            </a:r>
+          </a:p>
+          <a:p>
+            <a:pPr marL="12700" marR="5080" algn="ctr">
+              <a:lnSpc>
+                <a:spcPts val="3750"/>
+              </a:lnSpc>
+              <a:spcBef>
+                <a:spcPts val="250"/>
+              </a:spcBef>
+            </a:pPr>
+            <a:endParaRPr lang="en-IN" sz="3200" dirty="0"/>
+          </a:p>
+          <a:p>
+            <a:pPr marL="12700" marR="5080" algn="ctr">
+              <a:lnSpc>
+                <a:spcPts val="3750"/>
+              </a:lnSpc>
+              <a:spcBef>
+                <a:spcPts val="250"/>
+              </a:spcBef>
+            </a:pPr>
+            <a:r>
+              <a:rPr lang="en-IN" sz="3200" dirty="0"/>
+              <a:t>PIYUSH CHAUHAN E23CSEU1732</a:t>
+            </a:r>
+          </a:p>
+          <a:p>
+            <a:pPr marL="12700" marR="5080" algn="ctr">
+              <a:lnSpc>
+                <a:spcPts val="3750"/>
+              </a:lnSpc>
+              <a:spcBef>
+                <a:spcPts val="250"/>
+              </a:spcBef>
+            </a:pPr>
+            <a:endParaRPr lang="en-IN" sz="3200" dirty="0"/>
+          </a:p>
+          <a:p>
+            <a:pPr marL="12700" marR="5080" algn="ctr">
+              <a:lnSpc>
+                <a:spcPts val="3750"/>
+              </a:lnSpc>
+              <a:spcBef>
+                <a:spcPts val="250"/>
+              </a:spcBef>
+            </a:pPr>
+            <a:r>
+              <a:rPr lang="en-IN" sz="3200" dirty="0"/>
+              <a:t>ARSH KHAN</a:t>
+            </a:r>
+          </a:p>
+          <a:p>
+            <a:pPr marL="12700" marR="5080" algn="ctr">
+              <a:lnSpc>
+                <a:spcPts val="3750"/>
+              </a:lnSpc>
+              <a:spcBef>
+                <a:spcPts val="250"/>
+              </a:spcBef>
+            </a:pPr>
+            <a:r>
+              <a:rPr lang="en-IN" sz="3200" dirty="0"/>
+              <a:t>E23CSEU1773)</a:t>
+            </a:r>
+          </a:p>
+          <a:p>
+            <a:pPr marL="12700" marR="5080" algn="ctr">
+              <a:lnSpc>
+                <a:spcPts val="3750"/>
+              </a:lnSpc>
+              <a:spcBef>
+                <a:spcPts val="250"/>
+              </a:spcBef>
+            </a:pPr>
             <a:endParaRPr sz="3150" dirty="0">
               <a:latin typeface="Trebuchet MS"/>
               <a:cs typeface="Trebuchet MS"/>

--- a/PPT/Disease Recognition Heart, Parkinson & Diabetes.pptx
+++ b/PPT/Disease Recognition Heart, Parkinson & Diabetes.pptx
@@ -362,7 +362,7 @@
           <a:p>
             <a:fld id="{1D8BD707-D9CF-40AE-B4C6-C98DA3205C09}" type="datetimeFigureOut">
               <a:rPr lang="en-US" smtClean="0"/>
-              <a:t>11/21/2024</a:t>
+              <a:t>3/24/2025</a:t>
             </a:fld>
             <a:endParaRPr lang="en-US"/>
           </a:p>
@@ -696,7 +696,7 @@
           <a:p>
             <a:fld id="{1D8BD707-D9CF-40AE-B4C6-C98DA3205C09}" type="datetimeFigureOut">
               <a:rPr lang="en-US" smtClean="0"/>
-              <a:t>11/21/2024</a:t>
+              <a:t>3/24/2025</a:t>
             </a:fld>
             <a:endParaRPr lang="en-US"/>
           </a:p>
@@ -974,7 +974,7 @@
           <a:p>
             <a:fld id="{1D8BD707-D9CF-40AE-B4C6-C98DA3205C09}" type="datetimeFigureOut">
               <a:rPr lang="en-US" smtClean="0"/>
-              <a:t>11/21/2024</a:t>
+              <a:t>3/24/2025</a:t>
             </a:fld>
             <a:endParaRPr lang="en-US"/>
           </a:p>
@@ -1542,7 +1542,7 @@
           <a:p>
             <a:fld id="{1D8BD707-D9CF-40AE-B4C6-C98DA3205C09}" type="datetimeFigureOut">
               <a:rPr lang="en-US" smtClean="0"/>
-              <a:t>11/21/2024</a:t>
+              <a:t>3/24/2025</a:t>
             </a:fld>
             <a:endParaRPr lang="en-US"/>
           </a:p>
@@ -1820,7 +1820,7 @@
           <a:p>
             <a:fld id="{1D8BD707-D9CF-40AE-B4C6-C98DA3205C09}" type="datetimeFigureOut">
               <a:rPr lang="en-US" smtClean="0"/>
-              <a:t>11/21/2024</a:t>
+              <a:t>3/24/2025</a:t>
             </a:fld>
             <a:endParaRPr lang="en-US"/>
           </a:p>
@@ -2382,7 +2382,7 @@
           <a:p>
             <a:fld id="{1D8BD707-D9CF-40AE-B4C6-C98DA3205C09}" type="datetimeFigureOut">
               <a:rPr lang="en-US" smtClean="0"/>
-              <a:t>11/21/2024</a:t>
+              <a:t>3/24/2025</a:t>
             </a:fld>
             <a:endParaRPr lang="en-US"/>
           </a:p>
@@ -2709,7 +2709,7 @@
           <a:p>
             <a:fld id="{1D8BD707-D9CF-40AE-B4C6-C98DA3205C09}" type="datetimeFigureOut">
               <a:rPr lang="en-US" smtClean="0"/>
-              <a:t>11/21/2024</a:t>
+              <a:t>3/24/2025</a:t>
             </a:fld>
             <a:endParaRPr lang="en-US"/>
           </a:p>
@@ -2886,7 +2886,7 @@
           <a:p>
             <a:fld id="{1D8BD707-D9CF-40AE-B4C6-C98DA3205C09}" type="datetimeFigureOut">
               <a:rPr lang="en-US" smtClean="0"/>
-              <a:t>11/21/2024</a:t>
+              <a:t>3/24/2025</a:t>
             </a:fld>
             <a:endParaRPr lang="en-US"/>
           </a:p>
@@ -3124,7 +3124,7 @@
           <a:p>
             <a:fld id="{1D8BD707-D9CF-40AE-B4C6-C98DA3205C09}" type="datetimeFigureOut">
               <a:rPr lang="en-US" smtClean="0"/>
-              <a:t>11/21/2024</a:t>
+              <a:t>3/24/2025</a:t>
             </a:fld>
             <a:endParaRPr lang="en-US"/>
           </a:p>
@@ -3324,7 +3324,7 @@
           <a:p>
             <a:fld id="{1D8BD707-D9CF-40AE-B4C6-C98DA3205C09}" type="datetimeFigureOut">
               <a:rPr lang="en-US" smtClean="0"/>
-              <a:t>11/21/2024</a:t>
+              <a:t>3/24/2025</a:t>
             </a:fld>
             <a:endParaRPr lang="en-US"/>
           </a:p>
@@ -3600,7 +3600,7 @@
           <a:p>
             <a:fld id="{1D8BD707-D9CF-40AE-B4C6-C98DA3205C09}" type="datetimeFigureOut">
               <a:rPr lang="en-US" smtClean="0"/>
-              <a:t>11/21/2024</a:t>
+              <a:t>3/24/2025</a:t>
             </a:fld>
             <a:endParaRPr lang="en-US"/>
           </a:p>
@@ -3866,7 +3866,7 @@
           <a:p>
             <a:fld id="{1D8BD707-D9CF-40AE-B4C6-C98DA3205C09}" type="datetimeFigureOut">
               <a:rPr lang="en-US" smtClean="0"/>
-              <a:t>11/21/2024</a:t>
+              <a:t>3/24/2025</a:t>
             </a:fld>
             <a:endParaRPr lang="en-US"/>
           </a:p>
@@ -4240,7 +4240,7 @@
           <a:p>
             <a:fld id="{1D8BD707-D9CF-40AE-B4C6-C98DA3205C09}" type="datetimeFigureOut">
               <a:rPr lang="en-US" smtClean="0"/>
-              <a:t>11/21/2024</a:t>
+              <a:t>3/24/2025</a:t>
             </a:fld>
             <a:endParaRPr lang="en-US"/>
           </a:p>
@@ -4388,7 +4388,7 @@
           <a:p>
             <a:fld id="{1D8BD707-D9CF-40AE-B4C6-C98DA3205C09}" type="datetimeFigureOut">
               <a:rPr lang="en-US" smtClean="0"/>
-              <a:t>11/21/2024</a:t>
+              <a:t>3/24/2025</a:t>
             </a:fld>
             <a:endParaRPr lang="en-US"/>
           </a:p>
@@ -4513,7 +4513,7 @@
           <a:p>
             <a:fld id="{1D8BD707-D9CF-40AE-B4C6-C98DA3205C09}" type="datetimeFigureOut">
               <a:rPr lang="en-US" smtClean="0"/>
-              <a:t>11/21/2024</a:t>
+              <a:t>3/24/2025</a:t>
             </a:fld>
             <a:endParaRPr lang="en-US"/>
           </a:p>
@@ -4798,7 +4798,7 @@
           <a:p>
             <a:fld id="{1D8BD707-D9CF-40AE-B4C6-C98DA3205C09}" type="datetimeFigureOut">
               <a:rPr lang="en-US" smtClean="0"/>
-              <a:t>11/21/2024</a:t>
+              <a:t>3/24/2025</a:t>
             </a:fld>
             <a:endParaRPr lang="en-US"/>
           </a:p>
@@ -5122,7 +5122,7 @@
           <a:p>
             <a:fld id="{1D8BD707-D9CF-40AE-B4C6-C98DA3205C09}" type="datetimeFigureOut">
               <a:rPr lang="en-US" smtClean="0"/>
-              <a:t>11/21/2024</a:t>
+              <a:t>3/24/2025</a:t>
             </a:fld>
             <a:endParaRPr lang="en-US"/>
           </a:p>
@@ -5336,7 +5336,7 @@
           <a:p>
             <a:fld id="{1D8BD707-D9CF-40AE-B4C6-C98DA3205C09}" type="datetimeFigureOut">
               <a:rPr lang="en-US" smtClean="0"/>
-              <a:t>11/21/2024</a:t>
+              <a:t>3/24/2025</a:t>
             </a:fld>
             <a:endParaRPr lang="en-US"/>
           </a:p>
@@ -6145,7 +6145,7 @@
         <p:spPr>
           <a:xfrm>
             <a:off x="5568950" y="7919155"/>
-            <a:ext cx="7782725" cy="1200329"/>
+            <a:ext cx="7782725" cy="646331"/>
           </a:xfrm>
           <a:prstGeom prst="rect">
             <a:avLst/>
@@ -6168,21 +6168,7 @@
             <a:pPr algn="r"/>
             <a:r>
               <a:rPr lang="en-IN" dirty="0"/>
-              <a:t>			VIJAY MAVAI (E23CSEU1771)</a:t>
-            </a:r>
-          </a:p>
-          <a:p>
-            <a:pPr algn="r"/>
-            <a:r>
-              <a:rPr lang="en-IN" dirty="0"/>
-              <a:t>PIYUSH CHAUHAN (E23CSEU1732)</a:t>
-            </a:r>
-          </a:p>
-          <a:p>
-            <a:pPr algn="r"/>
-            <a:r>
-              <a:rPr lang="en-IN" dirty="0"/>
-              <a:t>ARSH KHAN (E23CSEU1773)</a:t>
+              <a:t>			SHAGUN PRAJAPATI (E23CSEU1739)</a:t>
             </a:r>
           </a:p>
         </p:txBody>
@@ -7605,7 +7591,7 @@
         <p:spPr>
           <a:xfrm>
             <a:off x="6535216" y="3798519"/>
-            <a:ext cx="5159375" cy="6235490"/>
+            <a:ext cx="5159375" cy="3048270"/>
           </a:xfrm>
           <a:prstGeom prst="rect">
             <a:avLst/>
@@ -7674,106 +7660,15 @@
             </a:endParaRPr>
           </a:p>
           <a:p>
-            <a:pPr marL="12700" marR="5080" algn="ctr">
-              <a:lnSpc>
-                <a:spcPts val="3750"/>
-              </a:lnSpc>
-              <a:spcBef>
-                <a:spcPts val="250"/>
-              </a:spcBef>
-            </a:pPr>
+            <a:pPr algn="r"/>
+            <a:endParaRPr lang="en-IN" sz="3200" dirty="0"/>
+          </a:p>
+          <a:p>
+            <a:pPr algn="ctr"/>
             <a:r>
               <a:rPr lang="en-IN" sz="3200" dirty="0"/>
-              <a:t>VIJAY MAVAI </a:t>
-            </a:r>
-          </a:p>
-          <a:p>
-            <a:pPr marL="12700" marR="5080" algn="ctr">
-              <a:lnSpc>
-                <a:spcPts val="3750"/>
-              </a:lnSpc>
-              <a:spcBef>
-                <a:spcPts val="250"/>
-              </a:spcBef>
-            </a:pPr>
-            <a:r>
-              <a:rPr lang="en-IN" sz="3200" dirty="0"/>
-              <a:t>E23CSEU1771</a:t>
-            </a:r>
-          </a:p>
-          <a:p>
-            <a:pPr marL="12700" marR="5080" algn="ctr">
-              <a:lnSpc>
-                <a:spcPts val="3750"/>
-              </a:lnSpc>
-              <a:spcBef>
-                <a:spcPts val="250"/>
-              </a:spcBef>
-            </a:pPr>
-            <a:endParaRPr lang="en-IN" sz="3200" dirty="0"/>
-          </a:p>
-          <a:p>
-            <a:pPr marL="12700" marR="5080" algn="ctr">
-              <a:lnSpc>
-                <a:spcPts val="3750"/>
-              </a:lnSpc>
-              <a:spcBef>
-                <a:spcPts val="250"/>
-              </a:spcBef>
-            </a:pPr>
-            <a:r>
-              <a:rPr lang="en-IN" sz="3200" dirty="0"/>
-              <a:t>PIYUSH CHAUHAN E23CSEU1732</a:t>
-            </a:r>
-          </a:p>
-          <a:p>
-            <a:pPr marL="12700" marR="5080" algn="ctr">
-              <a:lnSpc>
-                <a:spcPts val="3750"/>
-              </a:lnSpc>
-              <a:spcBef>
-                <a:spcPts val="250"/>
-              </a:spcBef>
-            </a:pPr>
-            <a:endParaRPr lang="en-IN" sz="3200" dirty="0"/>
-          </a:p>
-          <a:p>
-            <a:pPr marL="12700" marR="5080" algn="ctr">
-              <a:lnSpc>
-                <a:spcPts val="3750"/>
-              </a:lnSpc>
-              <a:spcBef>
-                <a:spcPts val="250"/>
-              </a:spcBef>
-            </a:pPr>
-            <a:r>
-              <a:rPr lang="en-IN" sz="3200" dirty="0"/>
-              <a:t>ARSH KHAN</a:t>
-            </a:r>
-          </a:p>
-          <a:p>
-            <a:pPr marL="12700" marR="5080" algn="ctr">
-              <a:lnSpc>
-                <a:spcPts val="3750"/>
-              </a:lnSpc>
-              <a:spcBef>
-                <a:spcPts val="250"/>
-              </a:spcBef>
-            </a:pPr>
-            <a:r>
-              <a:rPr lang="en-IN" sz="3200" dirty="0"/>
-              <a:t>E23CSEU1773)</a:t>
-            </a:r>
-          </a:p>
-          <a:p>
-            <a:pPr marL="12700" marR="5080" algn="ctr">
-              <a:lnSpc>
-                <a:spcPts val="3750"/>
-              </a:lnSpc>
-              <a:spcBef>
-                <a:spcPts val="250"/>
-              </a:spcBef>
-            </a:pPr>
+              <a:t>SHAGUN PRAJAPATI (E23CSEU1739)</a:t>
+            </a:r>
             <a:endParaRPr sz="3150" dirty="0">
               <a:latin typeface="Trebuchet MS"/>
               <a:cs typeface="Trebuchet MS"/>
@@ -8846,6 +8741,10 @@
           </p:nvPr>
         </p:nvSpPr>
         <p:spPr>
+          <a:xfrm>
+            <a:off x="1029417" y="1656738"/>
+            <a:ext cx="15207691" cy="704680"/>
+          </a:xfrm>
           <a:prstGeom prst="rect">
             <a:avLst/>
           </a:prstGeom>
@@ -8865,6 +8764,10 @@
               </a:spcBef>
             </a:pPr>
             <a:r>
+              <a:rPr lang="en-IN" sz="4500" spc="-135" dirty="0"/>
+              <a:t>	</a:t>
+            </a:r>
+            <a:r>
               <a:rPr sz="4500" spc="-135" dirty="0"/>
               <a:t>Parkinson's</a:t>
             </a:r>
@@ -8884,7 +8787,7 @@
               <a:rPr sz="4500" spc="-165" dirty="0"/>
               <a:t>Insights</a:t>
             </a:r>
-            <a:endParaRPr sz="4500"/>
+            <a:endParaRPr sz="4500" dirty="0"/>
           </a:p>
         </p:txBody>
       </p:sp>
@@ -10977,6 +10880,10 @@
           </p:nvPr>
         </p:nvSpPr>
         <p:spPr>
+          <a:xfrm>
+            <a:off x="1029417" y="1587168"/>
+            <a:ext cx="15207691" cy="843821"/>
+          </a:xfrm>
           <a:prstGeom prst="rect">
             <a:avLst/>
           </a:prstGeom>
@@ -10995,6 +10902,10 @@
                 <a:spcPts val="95"/>
               </a:spcBef>
             </a:pPr>
+            <a:r>
+              <a:rPr lang="en-IN" spc="-260" dirty="0"/>
+              <a:t>	</a:t>
+            </a:r>
             <a:r>
               <a:rPr spc="-260" dirty="0"/>
               <a:t>Data</a:t>
@@ -12834,6 +12745,10 @@
           </p:nvPr>
         </p:nvSpPr>
         <p:spPr>
+          <a:xfrm>
+            <a:off x="1029417" y="1633655"/>
+            <a:ext cx="15207691" cy="750847"/>
+          </a:xfrm>
           <a:prstGeom prst="rect">
             <a:avLst/>
           </a:prstGeom>
@@ -12853,6 +12768,10 @@
               </a:spcBef>
             </a:pPr>
             <a:r>
+              <a:rPr lang="en-IN" sz="4800" spc="-130" dirty="0"/>
+              <a:t>	</a:t>
+            </a:r>
+            <a:r>
               <a:rPr sz="4800" spc="-130" dirty="0"/>
               <a:t>Benefits</a:t>
             </a:r>
@@ -12880,7 +12799,7 @@
               <a:rPr sz="4800" spc="-90" dirty="0"/>
               <a:t>Detection</a:t>
             </a:r>
-            <a:endParaRPr sz="4800"/>
+            <a:endParaRPr sz="4800" dirty="0"/>
           </a:p>
         </p:txBody>
       </p:sp>
